--- a/Build/Wiring Diagram.pptx
+++ b/Build/Wiring Diagram.pptx
@@ -105,6 +105,11 @@
       </a:defRPr>
     </a:lvl9pPr>
   </p:defaultTextStyle>
+  <p:extLst>
+    <p:ext uri="{EFAFB233-063F-42B5-8137-9DF3F51BA10A}">
+      <p15:sldGuideLst xmlns:p15="http://schemas.microsoft.com/office/powerpoint/2012/main"/>
+    </p:ext>
+  </p:extLst>
 </p:presentation>
 </file>
 
@@ -3402,728 +3407,749 @@
           <a:chExt cx="0" cy="0"/>
         </a:xfrm>
       </p:grpSpPr>
-      <p:pic>
-        <p:nvPicPr>
-          <p:cNvPr id="3" name="Picture 2">
-            <a:extLst>
-              <a:ext uri="{FF2B5EF4-FFF2-40B4-BE49-F238E27FC236}">
-                <a16:creationId xmlns:a16="http://schemas.microsoft.com/office/drawing/2014/main" id="{633059FE-EFFD-D563-2FA2-46EA2C31FFC6}"/>
-              </a:ext>
-            </a:extLst>
-          </p:cNvPr>
-          <p:cNvPicPr>
-            <a:picLocks noChangeAspect="1"/>
-          </p:cNvPicPr>
+      <p:grpSp>
+        <p:nvGrpSpPr>
+          <p:cNvPr id="2" name="Group 1">
+            <a:extLst>
+              <a:ext uri="{FF2B5EF4-FFF2-40B4-BE49-F238E27FC236}">
+                <a16:creationId xmlns:a16="http://schemas.microsoft.com/office/drawing/2014/main" id="{231AA0AF-A37D-6E35-22A2-6C963A119006}"/>
+              </a:ext>
+            </a:extLst>
+          </p:cNvPr>
+          <p:cNvGrpSpPr/>
           <p:nvPr/>
-        </p:nvPicPr>
-        <p:blipFill>
-          <a:blip r:embed="rId2"/>
-          <a:stretch>
-            <a:fillRect/>
-          </a:stretch>
-        </p:blipFill>
-        <p:spPr>
+        </p:nvGrpSpPr>
+        <p:grpSpPr>
           <a:xfrm>
-            <a:off x="6831100" y="1904450"/>
-            <a:ext cx="4593876" cy="3271829"/>
+            <a:off x="266909" y="112365"/>
+            <a:ext cx="11158067" cy="6597362"/>
+            <a:chOff x="266909" y="112365"/>
+            <a:chExt cx="11158067" cy="6597362"/>
           </a:xfrm>
-          <a:prstGeom prst="rect">
-            <a:avLst/>
-          </a:prstGeom>
-        </p:spPr>
-      </p:pic>
-      <p:pic>
-        <p:nvPicPr>
-          <p:cNvPr id="6" name="Picture 5">
-            <a:extLst>
-              <a:ext uri="{FF2B5EF4-FFF2-40B4-BE49-F238E27FC236}">
-                <a16:creationId xmlns:a16="http://schemas.microsoft.com/office/drawing/2014/main" id="{63E40408-0372-B038-BEE5-BE4E19F17806}"/>
-              </a:ext>
-            </a:extLst>
-          </p:cNvPr>
-          <p:cNvPicPr>
-            <a:picLocks noChangeAspect="1"/>
-          </p:cNvPicPr>
-          <p:nvPr/>
-        </p:nvPicPr>
-        <p:blipFill>
-          <a:blip r:embed="rId3"/>
-          <a:stretch>
-            <a:fillRect/>
-          </a:stretch>
-        </p:blipFill>
-        <p:spPr>
-          <a:xfrm>
-            <a:off x="266909" y="371003"/>
-            <a:ext cx="5448300" cy="5915025"/>
-          </a:xfrm>
-          <a:prstGeom prst="rect">
-            <a:avLst/>
-          </a:prstGeom>
-        </p:spPr>
-      </p:pic>
-      <p:pic>
-        <p:nvPicPr>
-          <p:cNvPr id="8" name="Picture 7">
-            <a:extLst>
-              <a:ext uri="{FF2B5EF4-FFF2-40B4-BE49-F238E27FC236}">
-                <a16:creationId xmlns:a16="http://schemas.microsoft.com/office/drawing/2014/main" id="{964EAF69-EACB-55D7-AD98-0780975840C3}"/>
-              </a:ext>
-            </a:extLst>
-          </p:cNvPr>
-          <p:cNvPicPr>
-            <a:picLocks noChangeAspect="1"/>
-          </p:cNvPicPr>
-          <p:nvPr/>
-        </p:nvPicPr>
-        <p:blipFill>
-          <a:blip r:embed="rId4"/>
-          <a:stretch>
-            <a:fillRect/>
-          </a:stretch>
-        </p:blipFill>
-        <p:spPr>
-          <a:xfrm>
-            <a:off x="8078403" y="371003"/>
-            <a:ext cx="1539583" cy="1436601"/>
-          </a:xfrm>
-          <a:prstGeom prst="rect">
-            <a:avLst/>
-          </a:prstGeom>
-        </p:spPr>
-      </p:pic>
-      <p:pic>
-        <p:nvPicPr>
-          <p:cNvPr id="9" name="Picture 8">
-            <a:extLst>
-              <a:ext uri="{FF2B5EF4-FFF2-40B4-BE49-F238E27FC236}">
-                <a16:creationId xmlns:a16="http://schemas.microsoft.com/office/drawing/2014/main" id="{CD2FC8F5-AF4C-82BB-E335-E86863752468}"/>
-              </a:ext>
-            </a:extLst>
-          </p:cNvPr>
-          <p:cNvPicPr>
-            <a:picLocks noChangeAspect="1"/>
-          </p:cNvPicPr>
-          <p:nvPr/>
-        </p:nvPicPr>
-        <p:blipFill>
-          <a:blip r:embed="rId4"/>
-          <a:stretch>
-            <a:fillRect/>
-          </a:stretch>
-        </p:blipFill>
-        <p:spPr>
-          <a:xfrm>
-            <a:off x="8078403" y="5273126"/>
-            <a:ext cx="1539583" cy="1436601"/>
-          </a:xfrm>
-          <a:prstGeom prst="rect">
-            <a:avLst/>
-          </a:prstGeom>
-        </p:spPr>
-      </p:pic>
-      <p:cxnSp>
-        <p:nvCxnSpPr>
-          <p:cNvPr id="11" name="Straight Connector 10">
-            <a:extLst>
-              <a:ext uri="{FF2B5EF4-FFF2-40B4-BE49-F238E27FC236}">
-                <a16:creationId xmlns:a16="http://schemas.microsoft.com/office/drawing/2014/main" id="{D8803C2B-3526-6A67-9ED3-148BDC615B71}"/>
-              </a:ext>
-            </a:extLst>
-          </p:cNvPr>
-          <p:cNvCxnSpPr>
-            <a:cxnSpLocks/>
-          </p:cNvCxnSpPr>
-          <p:nvPr/>
-        </p:nvCxnSpPr>
-        <p:spPr>
-          <a:xfrm flipV="1">
-            <a:off x="3068881" y="112365"/>
-            <a:ext cx="0" cy="517276"/>
-          </a:xfrm>
-          <a:prstGeom prst="line">
-            <a:avLst/>
-          </a:prstGeom>
-          <a:ln w="57150">
-            <a:solidFill>
-              <a:srgbClr val="FF0000"/>
-            </a:solidFill>
-          </a:ln>
-        </p:spPr>
-        <p:style>
-          <a:lnRef idx="2">
-            <a:schemeClr val="accent1"/>
-          </a:lnRef>
-          <a:fillRef idx="0">
-            <a:schemeClr val="accent1"/>
-          </a:fillRef>
-          <a:effectRef idx="1">
-            <a:schemeClr val="accent1"/>
-          </a:effectRef>
-          <a:fontRef idx="minor">
-            <a:schemeClr val="tx1"/>
-          </a:fontRef>
-        </p:style>
-      </p:cxnSp>
-      <p:cxnSp>
-        <p:nvCxnSpPr>
-          <p:cNvPr id="13" name="Straight Connector 12">
-            <a:extLst>
-              <a:ext uri="{FF2B5EF4-FFF2-40B4-BE49-F238E27FC236}">
-                <a16:creationId xmlns:a16="http://schemas.microsoft.com/office/drawing/2014/main" id="{C73C844F-078E-7584-B5E0-646EC0A35C88}"/>
-              </a:ext>
-            </a:extLst>
-          </p:cNvPr>
-          <p:cNvCxnSpPr>
-            <a:cxnSpLocks/>
-          </p:cNvCxnSpPr>
-          <p:nvPr/>
-        </p:nvCxnSpPr>
-        <p:spPr>
-          <a:xfrm flipH="1">
-            <a:off x="3068881" y="112365"/>
-            <a:ext cx="4285230" cy="0"/>
-          </a:xfrm>
-          <a:prstGeom prst="line">
-            <a:avLst/>
-          </a:prstGeom>
-          <a:ln w="57150">
-            <a:solidFill>
-              <a:srgbClr val="FF0000"/>
-            </a:solidFill>
-          </a:ln>
-        </p:spPr>
-        <p:style>
-          <a:lnRef idx="2">
-            <a:schemeClr val="accent1"/>
-          </a:lnRef>
-          <a:fillRef idx="0">
-            <a:schemeClr val="accent1"/>
-          </a:fillRef>
-          <a:effectRef idx="1">
-            <a:schemeClr val="accent1"/>
-          </a:effectRef>
-          <a:fontRef idx="minor">
-            <a:schemeClr val="tx1"/>
-          </a:fontRef>
-        </p:style>
-      </p:cxnSp>
-      <p:cxnSp>
-        <p:nvCxnSpPr>
-          <p:cNvPr id="16" name="Straight Connector 15">
-            <a:extLst>
-              <a:ext uri="{FF2B5EF4-FFF2-40B4-BE49-F238E27FC236}">
-                <a16:creationId xmlns:a16="http://schemas.microsoft.com/office/drawing/2014/main" id="{0DE44775-8B27-6C7E-59CE-6F9B0A5A450E}"/>
-              </a:ext>
-            </a:extLst>
-          </p:cNvPr>
-          <p:cNvCxnSpPr>
-            <a:cxnSpLocks/>
-          </p:cNvCxnSpPr>
-          <p:nvPr/>
-        </p:nvCxnSpPr>
-        <p:spPr>
-          <a:xfrm>
-            <a:off x="7354111" y="112365"/>
-            <a:ext cx="0" cy="5534516"/>
-          </a:xfrm>
-          <a:prstGeom prst="line">
-            <a:avLst/>
-          </a:prstGeom>
-          <a:ln w="57150">
-            <a:solidFill>
-              <a:srgbClr val="FF0000"/>
-            </a:solidFill>
-          </a:ln>
-        </p:spPr>
-        <p:style>
-          <a:lnRef idx="2">
-            <a:schemeClr val="accent1"/>
-          </a:lnRef>
-          <a:fillRef idx="0">
-            <a:schemeClr val="accent1"/>
-          </a:fillRef>
-          <a:effectRef idx="1">
-            <a:schemeClr val="accent1"/>
-          </a:effectRef>
-          <a:fontRef idx="minor">
-            <a:schemeClr val="tx1"/>
-          </a:fontRef>
-        </p:style>
-      </p:cxnSp>
-      <p:cxnSp>
-        <p:nvCxnSpPr>
-          <p:cNvPr id="19" name="Straight Connector 18">
-            <a:extLst>
-              <a:ext uri="{FF2B5EF4-FFF2-40B4-BE49-F238E27FC236}">
-                <a16:creationId xmlns:a16="http://schemas.microsoft.com/office/drawing/2014/main" id="{89B47F1B-3B94-6329-1C8B-ED630DBD9A00}"/>
-              </a:ext>
-            </a:extLst>
-          </p:cNvPr>
-          <p:cNvCxnSpPr>
-            <a:cxnSpLocks/>
-          </p:cNvCxnSpPr>
-          <p:nvPr/>
-        </p:nvCxnSpPr>
-        <p:spPr>
-          <a:xfrm>
-            <a:off x="3068881" y="299910"/>
-            <a:ext cx="5316362" cy="0"/>
-          </a:xfrm>
-          <a:prstGeom prst="line">
-            <a:avLst/>
-          </a:prstGeom>
-          <a:ln w="57150">
-            <a:solidFill>
-              <a:srgbClr val="FF0000"/>
-            </a:solidFill>
-          </a:ln>
-        </p:spPr>
-        <p:style>
-          <a:lnRef idx="2">
-            <a:schemeClr val="accent1"/>
-          </a:lnRef>
-          <a:fillRef idx="0">
-            <a:schemeClr val="accent1"/>
-          </a:fillRef>
-          <a:effectRef idx="1">
-            <a:schemeClr val="accent1"/>
-          </a:effectRef>
-          <a:fontRef idx="minor">
-            <a:schemeClr val="tx1"/>
-          </a:fontRef>
-        </p:style>
-      </p:cxnSp>
-      <p:cxnSp>
-        <p:nvCxnSpPr>
-          <p:cNvPr id="24" name="Straight Connector 23">
-            <a:extLst>
-              <a:ext uri="{FF2B5EF4-FFF2-40B4-BE49-F238E27FC236}">
-                <a16:creationId xmlns:a16="http://schemas.microsoft.com/office/drawing/2014/main" id="{07E93B0C-6433-DE46-5649-10BC9478B104}"/>
-              </a:ext>
-            </a:extLst>
-          </p:cNvPr>
-          <p:cNvCxnSpPr>
-            <a:cxnSpLocks/>
-          </p:cNvCxnSpPr>
-          <p:nvPr/>
-        </p:nvCxnSpPr>
-        <p:spPr>
-          <a:xfrm flipV="1">
-            <a:off x="8385243" y="299910"/>
-            <a:ext cx="0" cy="611222"/>
-          </a:xfrm>
-          <a:prstGeom prst="line">
-            <a:avLst/>
-          </a:prstGeom>
-          <a:ln w="57150">
-            <a:solidFill>
-              <a:srgbClr val="FF0000"/>
-            </a:solidFill>
-          </a:ln>
-        </p:spPr>
-        <p:style>
-          <a:lnRef idx="2">
-            <a:schemeClr val="accent1"/>
-          </a:lnRef>
-          <a:fillRef idx="0">
-            <a:schemeClr val="accent1"/>
-          </a:fillRef>
-          <a:effectRef idx="1">
-            <a:schemeClr val="accent1"/>
-          </a:effectRef>
-          <a:fontRef idx="minor">
-            <a:schemeClr val="tx1"/>
-          </a:fontRef>
-        </p:style>
-      </p:cxnSp>
-      <p:cxnSp>
-        <p:nvCxnSpPr>
-          <p:cNvPr id="30" name="Straight Connector 29">
-            <a:extLst>
-              <a:ext uri="{FF2B5EF4-FFF2-40B4-BE49-F238E27FC236}">
-                <a16:creationId xmlns:a16="http://schemas.microsoft.com/office/drawing/2014/main" id="{3D7EDF12-794E-09C5-FE5F-A08D62E91C1C}"/>
-              </a:ext>
-            </a:extLst>
-          </p:cNvPr>
-          <p:cNvCxnSpPr>
-            <a:cxnSpLocks/>
-          </p:cNvCxnSpPr>
-          <p:nvPr/>
-        </p:nvCxnSpPr>
-        <p:spPr>
-          <a:xfrm>
-            <a:off x="7354111" y="5646881"/>
-            <a:ext cx="1031132" cy="0"/>
-          </a:xfrm>
-          <a:prstGeom prst="line">
-            <a:avLst/>
-          </a:prstGeom>
-          <a:ln w="57150">
-            <a:solidFill>
-              <a:srgbClr val="FF0000"/>
-            </a:solidFill>
-          </a:ln>
-        </p:spPr>
-        <p:style>
-          <a:lnRef idx="2">
-            <a:schemeClr val="accent1"/>
-          </a:lnRef>
-          <a:fillRef idx="0">
-            <a:schemeClr val="accent1"/>
-          </a:fillRef>
-          <a:effectRef idx="1">
-            <a:schemeClr val="accent1"/>
-          </a:effectRef>
-          <a:fontRef idx="minor">
-            <a:schemeClr val="tx1"/>
-          </a:fontRef>
-        </p:style>
-      </p:cxnSp>
-      <p:cxnSp>
-        <p:nvCxnSpPr>
-          <p:cNvPr id="31" name="Straight Connector 30">
-            <a:extLst>
-              <a:ext uri="{FF2B5EF4-FFF2-40B4-BE49-F238E27FC236}">
-                <a16:creationId xmlns:a16="http://schemas.microsoft.com/office/drawing/2014/main" id="{CD2E1E49-517D-8C43-FF0F-FD002B73AE8F}"/>
-              </a:ext>
-            </a:extLst>
-          </p:cNvPr>
-          <p:cNvCxnSpPr>
-            <a:cxnSpLocks/>
-          </p:cNvCxnSpPr>
-          <p:nvPr/>
-        </p:nvCxnSpPr>
-        <p:spPr>
-          <a:xfrm flipV="1">
-            <a:off x="8385243" y="5646881"/>
-            <a:ext cx="0" cy="173477"/>
-          </a:xfrm>
-          <a:prstGeom prst="line">
-            <a:avLst/>
-          </a:prstGeom>
-          <a:ln w="57150">
-            <a:solidFill>
-              <a:srgbClr val="FF0000"/>
-            </a:solidFill>
-          </a:ln>
-        </p:spPr>
-        <p:style>
-          <a:lnRef idx="2">
-            <a:schemeClr val="accent1"/>
-          </a:lnRef>
-          <a:fillRef idx="0">
-            <a:schemeClr val="accent1"/>
-          </a:fillRef>
-          <a:effectRef idx="1">
-            <a:schemeClr val="accent1"/>
-          </a:effectRef>
-          <a:fontRef idx="minor">
-            <a:schemeClr val="tx1"/>
-          </a:fontRef>
-        </p:style>
-      </p:cxnSp>
-      <p:cxnSp>
-        <p:nvCxnSpPr>
-          <p:cNvPr id="39" name="Straight Connector 38">
-            <a:extLst>
-              <a:ext uri="{FF2B5EF4-FFF2-40B4-BE49-F238E27FC236}">
-                <a16:creationId xmlns:a16="http://schemas.microsoft.com/office/drawing/2014/main" id="{9B132AA4-FDA6-B25F-1008-02B95CBCC234}"/>
-              </a:ext>
-            </a:extLst>
-          </p:cNvPr>
-          <p:cNvCxnSpPr>
-            <a:cxnSpLocks/>
-          </p:cNvCxnSpPr>
-          <p:nvPr/>
-        </p:nvCxnSpPr>
-        <p:spPr>
-          <a:xfrm>
-            <a:off x="3340542" y="1317876"/>
-            <a:ext cx="5044701" cy="0"/>
-          </a:xfrm>
-          <a:prstGeom prst="line">
-            <a:avLst/>
-          </a:prstGeom>
-          <a:ln w="57150">
-            <a:solidFill>
+        </p:grpSpPr>
+        <p:pic>
+          <p:nvPicPr>
+            <p:cNvPr id="3" name="Picture 2">
+              <a:extLst>
+                <a:ext uri="{FF2B5EF4-FFF2-40B4-BE49-F238E27FC236}">
+                  <a16:creationId xmlns:a16="http://schemas.microsoft.com/office/drawing/2014/main" id="{633059FE-EFFD-D563-2FA2-46EA2C31FFC6}"/>
+                </a:ext>
+              </a:extLst>
+            </p:cNvPr>
+            <p:cNvPicPr>
+              <a:picLocks noChangeAspect="1"/>
+            </p:cNvPicPr>
+            <p:nvPr/>
+          </p:nvPicPr>
+          <p:blipFill>
+            <a:blip r:embed="rId2"/>
+            <a:stretch>
+              <a:fillRect/>
+            </a:stretch>
+          </p:blipFill>
+          <p:spPr>
+            <a:xfrm>
+              <a:off x="6831100" y="1904450"/>
+              <a:ext cx="4593876" cy="3271829"/>
+            </a:xfrm>
+            <a:prstGeom prst="rect">
+              <a:avLst/>
+            </a:prstGeom>
+          </p:spPr>
+        </p:pic>
+        <p:pic>
+          <p:nvPicPr>
+            <p:cNvPr id="6" name="Picture 5">
+              <a:extLst>
+                <a:ext uri="{FF2B5EF4-FFF2-40B4-BE49-F238E27FC236}">
+                  <a16:creationId xmlns:a16="http://schemas.microsoft.com/office/drawing/2014/main" id="{63E40408-0372-B038-BEE5-BE4E19F17806}"/>
+                </a:ext>
+              </a:extLst>
+            </p:cNvPr>
+            <p:cNvPicPr>
+              <a:picLocks noChangeAspect="1"/>
+            </p:cNvPicPr>
+            <p:nvPr/>
+          </p:nvPicPr>
+          <p:blipFill>
+            <a:blip r:embed="rId3"/>
+            <a:stretch>
+              <a:fillRect/>
+            </a:stretch>
+          </p:blipFill>
+          <p:spPr>
+            <a:xfrm>
+              <a:off x="266909" y="371003"/>
+              <a:ext cx="5448300" cy="5915025"/>
+            </a:xfrm>
+            <a:prstGeom prst="rect">
+              <a:avLst/>
+            </a:prstGeom>
+          </p:spPr>
+        </p:pic>
+        <p:pic>
+          <p:nvPicPr>
+            <p:cNvPr id="8" name="Picture 7">
+              <a:extLst>
+                <a:ext uri="{FF2B5EF4-FFF2-40B4-BE49-F238E27FC236}">
+                  <a16:creationId xmlns:a16="http://schemas.microsoft.com/office/drawing/2014/main" id="{964EAF69-EACB-55D7-AD98-0780975840C3}"/>
+                </a:ext>
+              </a:extLst>
+            </p:cNvPr>
+            <p:cNvPicPr>
+              <a:picLocks noChangeAspect="1"/>
+            </p:cNvPicPr>
+            <p:nvPr/>
+          </p:nvPicPr>
+          <p:blipFill>
+            <a:blip r:embed="rId4"/>
+            <a:stretch>
+              <a:fillRect/>
+            </a:stretch>
+          </p:blipFill>
+          <p:spPr>
+            <a:xfrm>
+              <a:off x="8078403" y="371003"/>
+              <a:ext cx="1539583" cy="1436601"/>
+            </a:xfrm>
+            <a:prstGeom prst="rect">
+              <a:avLst/>
+            </a:prstGeom>
+          </p:spPr>
+        </p:pic>
+        <p:pic>
+          <p:nvPicPr>
+            <p:cNvPr id="9" name="Picture 8">
+              <a:extLst>
+                <a:ext uri="{FF2B5EF4-FFF2-40B4-BE49-F238E27FC236}">
+                  <a16:creationId xmlns:a16="http://schemas.microsoft.com/office/drawing/2014/main" id="{CD2FC8F5-AF4C-82BB-E335-E86863752468}"/>
+                </a:ext>
+              </a:extLst>
+            </p:cNvPr>
+            <p:cNvPicPr>
+              <a:picLocks noChangeAspect="1"/>
+            </p:cNvPicPr>
+            <p:nvPr/>
+          </p:nvPicPr>
+          <p:blipFill>
+            <a:blip r:embed="rId4"/>
+            <a:stretch>
+              <a:fillRect/>
+            </a:stretch>
+          </p:blipFill>
+          <p:spPr>
+            <a:xfrm>
+              <a:off x="8078403" y="5273126"/>
+              <a:ext cx="1539583" cy="1436601"/>
+            </a:xfrm>
+            <a:prstGeom prst="rect">
+              <a:avLst/>
+            </a:prstGeom>
+          </p:spPr>
+        </p:pic>
+        <p:cxnSp>
+          <p:nvCxnSpPr>
+            <p:cNvPr id="11" name="Straight Connector 10">
+              <a:extLst>
+                <a:ext uri="{FF2B5EF4-FFF2-40B4-BE49-F238E27FC236}">
+                  <a16:creationId xmlns:a16="http://schemas.microsoft.com/office/drawing/2014/main" id="{D8803C2B-3526-6A67-9ED3-148BDC615B71}"/>
+                </a:ext>
+              </a:extLst>
+            </p:cNvPr>
+            <p:cNvCxnSpPr>
+              <a:cxnSpLocks/>
+            </p:cNvCxnSpPr>
+            <p:nvPr/>
+          </p:nvCxnSpPr>
+          <p:spPr>
+            <a:xfrm flipV="1">
+              <a:off x="3068881" y="112365"/>
+              <a:ext cx="0" cy="517276"/>
+            </a:xfrm>
+            <a:prstGeom prst="line">
+              <a:avLst/>
+            </a:prstGeom>
+            <a:ln w="57150">
+              <a:solidFill>
+                <a:srgbClr val="FF0000"/>
+              </a:solidFill>
+            </a:ln>
+          </p:spPr>
+          <p:style>
+            <a:lnRef idx="2">
+              <a:schemeClr val="accent1"/>
+            </a:lnRef>
+            <a:fillRef idx="0">
+              <a:schemeClr val="accent1"/>
+            </a:fillRef>
+            <a:effectRef idx="1">
+              <a:schemeClr val="accent1"/>
+            </a:effectRef>
+            <a:fontRef idx="minor">
               <a:schemeClr val="tx1"/>
-            </a:solidFill>
-          </a:ln>
-        </p:spPr>
-        <p:style>
-          <a:lnRef idx="2">
-            <a:schemeClr val="accent1"/>
-          </a:lnRef>
-          <a:fillRef idx="0">
-            <a:schemeClr val="accent1"/>
-          </a:fillRef>
-          <a:effectRef idx="1">
-            <a:schemeClr val="accent1"/>
-          </a:effectRef>
-          <a:fontRef idx="minor">
-            <a:schemeClr val="tx1"/>
-          </a:fontRef>
-        </p:style>
-      </p:cxnSp>
-      <p:cxnSp>
-        <p:nvCxnSpPr>
-          <p:cNvPr id="43" name="Straight Connector 42">
-            <a:extLst>
-              <a:ext uri="{FF2B5EF4-FFF2-40B4-BE49-F238E27FC236}">
-                <a16:creationId xmlns:a16="http://schemas.microsoft.com/office/drawing/2014/main" id="{2D6EFC4A-F254-071D-4ED5-A3927EE74B6A}"/>
-              </a:ext>
-            </a:extLst>
-          </p:cNvPr>
-          <p:cNvCxnSpPr>
-            <a:cxnSpLocks/>
-          </p:cNvCxnSpPr>
-          <p:nvPr/>
-        </p:nvCxnSpPr>
-        <p:spPr>
-          <a:xfrm>
-            <a:off x="5933872" y="1317876"/>
-            <a:ext cx="0" cy="4968152"/>
-          </a:xfrm>
-          <a:prstGeom prst="line">
-            <a:avLst/>
-          </a:prstGeom>
-          <a:ln w="57150">
-            <a:solidFill>
+            </a:fontRef>
+          </p:style>
+        </p:cxnSp>
+        <p:cxnSp>
+          <p:nvCxnSpPr>
+            <p:cNvPr id="13" name="Straight Connector 12">
+              <a:extLst>
+                <a:ext uri="{FF2B5EF4-FFF2-40B4-BE49-F238E27FC236}">
+                  <a16:creationId xmlns:a16="http://schemas.microsoft.com/office/drawing/2014/main" id="{C73C844F-078E-7584-B5E0-646EC0A35C88}"/>
+                </a:ext>
+              </a:extLst>
+            </p:cNvPr>
+            <p:cNvCxnSpPr>
+              <a:cxnSpLocks/>
+            </p:cNvCxnSpPr>
+            <p:nvPr/>
+          </p:nvCxnSpPr>
+          <p:spPr>
+            <a:xfrm flipH="1">
+              <a:off x="3068881" y="112365"/>
+              <a:ext cx="4285230" cy="0"/>
+            </a:xfrm>
+            <a:prstGeom prst="line">
+              <a:avLst/>
+            </a:prstGeom>
+            <a:ln w="57150">
+              <a:solidFill>
+                <a:srgbClr val="FF0000"/>
+              </a:solidFill>
+            </a:ln>
+          </p:spPr>
+          <p:style>
+            <a:lnRef idx="2">
+              <a:schemeClr val="accent1"/>
+            </a:lnRef>
+            <a:fillRef idx="0">
+              <a:schemeClr val="accent1"/>
+            </a:fillRef>
+            <a:effectRef idx="1">
+              <a:schemeClr val="accent1"/>
+            </a:effectRef>
+            <a:fontRef idx="minor">
               <a:schemeClr val="tx1"/>
-            </a:solidFill>
-          </a:ln>
-        </p:spPr>
-        <p:style>
-          <a:lnRef idx="2">
-            <a:schemeClr val="accent1"/>
-          </a:lnRef>
-          <a:fillRef idx="0">
-            <a:schemeClr val="accent1"/>
-          </a:fillRef>
-          <a:effectRef idx="1">
-            <a:schemeClr val="accent1"/>
-          </a:effectRef>
-          <a:fontRef idx="minor">
-            <a:schemeClr val="tx1"/>
-          </a:fontRef>
-        </p:style>
-      </p:cxnSp>
-      <p:cxnSp>
-        <p:nvCxnSpPr>
-          <p:cNvPr id="47" name="Straight Connector 46">
-            <a:extLst>
-              <a:ext uri="{FF2B5EF4-FFF2-40B4-BE49-F238E27FC236}">
-                <a16:creationId xmlns:a16="http://schemas.microsoft.com/office/drawing/2014/main" id="{1EB78100-3F9D-D8A1-1C29-993978EAA8CA}"/>
-              </a:ext>
-            </a:extLst>
-          </p:cNvPr>
-          <p:cNvCxnSpPr>
-            <a:cxnSpLocks/>
-          </p:cNvCxnSpPr>
-          <p:nvPr/>
-        </p:nvCxnSpPr>
-        <p:spPr>
-          <a:xfrm flipH="1">
-            <a:off x="5933872" y="6286028"/>
-            <a:ext cx="2451371" cy="0"/>
-          </a:xfrm>
-          <a:prstGeom prst="line">
-            <a:avLst/>
-          </a:prstGeom>
-          <a:ln w="57150">
-            <a:solidFill>
+            </a:fontRef>
+          </p:style>
+        </p:cxnSp>
+        <p:cxnSp>
+          <p:nvCxnSpPr>
+            <p:cNvPr id="16" name="Straight Connector 15">
+              <a:extLst>
+                <a:ext uri="{FF2B5EF4-FFF2-40B4-BE49-F238E27FC236}">
+                  <a16:creationId xmlns:a16="http://schemas.microsoft.com/office/drawing/2014/main" id="{0DE44775-8B27-6C7E-59CE-6F9B0A5A450E}"/>
+                </a:ext>
+              </a:extLst>
+            </p:cNvPr>
+            <p:cNvCxnSpPr>
+              <a:cxnSpLocks/>
+            </p:cNvCxnSpPr>
+            <p:nvPr/>
+          </p:nvCxnSpPr>
+          <p:spPr>
+            <a:xfrm>
+              <a:off x="7354111" y="112365"/>
+              <a:ext cx="0" cy="5534516"/>
+            </a:xfrm>
+            <a:prstGeom prst="line">
+              <a:avLst/>
+            </a:prstGeom>
+            <a:ln w="57150">
+              <a:solidFill>
+                <a:srgbClr val="FF0000"/>
+              </a:solidFill>
+            </a:ln>
+          </p:spPr>
+          <p:style>
+            <a:lnRef idx="2">
+              <a:schemeClr val="accent1"/>
+            </a:lnRef>
+            <a:fillRef idx="0">
+              <a:schemeClr val="accent1"/>
+            </a:fillRef>
+            <a:effectRef idx="1">
+              <a:schemeClr val="accent1"/>
+            </a:effectRef>
+            <a:fontRef idx="minor">
               <a:schemeClr val="tx1"/>
-            </a:solidFill>
-          </a:ln>
-        </p:spPr>
-        <p:style>
-          <a:lnRef idx="2">
-            <a:schemeClr val="accent1"/>
-          </a:lnRef>
-          <a:fillRef idx="0">
-            <a:schemeClr val="accent1"/>
-          </a:fillRef>
-          <a:effectRef idx="1">
-            <a:schemeClr val="accent1"/>
-          </a:effectRef>
-          <a:fontRef idx="minor">
-            <a:schemeClr val="tx1"/>
-          </a:fontRef>
-        </p:style>
-      </p:cxnSp>
-      <p:cxnSp>
-        <p:nvCxnSpPr>
-          <p:cNvPr id="51" name="Straight Connector 50">
-            <a:extLst>
-              <a:ext uri="{FF2B5EF4-FFF2-40B4-BE49-F238E27FC236}">
-                <a16:creationId xmlns:a16="http://schemas.microsoft.com/office/drawing/2014/main" id="{6D089D68-211B-ADDC-4C68-83981C9ECC08}"/>
-              </a:ext>
-            </a:extLst>
-          </p:cNvPr>
-          <p:cNvCxnSpPr>
-            <a:cxnSpLocks/>
-          </p:cNvCxnSpPr>
-          <p:nvPr/>
-        </p:nvCxnSpPr>
-        <p:spPr>
-          <a:xfrm>
-            <a:off x="8096906" y="2978260"/>
-            <a:ext cx="512073" cy="0"/>
-          </a:xfrm>
-          <a:prstGeom prst="line">
-            <a:avLst/>
-          </a:prstGeom>
-          <a:ln w="57150">
-            <a:solidFill>
-              <a:srgbClr val="FF0000"/>
-            </a:solidFill>
-          </a:ln>
-        </p:spPr>
-        <p:style>
-          <a:lnRef idx="2">
-            <a:schemeClr val="accent1"/>
-          </a:lnRef>
-          <a:fillRef idx="0">
-            <a:schemeClr val="accent1"/>
-          </a:fillRef>
-          <a:effectRef idx="1">
-            <a:schemeClr val="accent1"/>
-          </a:effectRef>
-          <a:fontRef idx="minor">
-            <a:schemeClr val="tx1"/>
-          </a:fontRef>
-        </p:style>
-      </p:cxnSp>
-      <p:cxnSp>
-        <p:nvCxnSpPr>
-          <p:cNvPr id="53" name="Straight Connector 52">
-            <a:extLst>
-              <a:ext uri="{FF2B5EF4-FFF2-40B4-BE49-F238E27FC236}">
-                <a16:creationId xmlns:a16="http://schemas.microsoft.com/office/drawing/2014/main" id="{1D1D04F6-27FD-5EA1-2E1A-FF75326F897D}"/>
-              </a:ext>
-            </a:extLst>
-          </p:cNvPr>
-          <p:cNvCxnSpPr>
-            <a:cxnSpLocks/>
-          </p:cNvCxnSpPr>
-          <p:nvPr/>
-        </p:nvCxnSpPr>
-        <p:spPr>
-          <a:xfrm>
-            <a:off x="8129206" y="3540364"/>
-            <a:ext cx="512073" cy="0"/>
-          </a:xfrm>
-          <a:prstGeom prst="line">
-            <a:avLst/>
-          </a:prstGeom>
-          <a:ln w="57150">
-            <a:solidFill>
-              <a:srgbClr val="FF0000"/>
-            </a:solidFill>
-          </a:ln>
-        </p:spPr>
-        <p:style>
-          <a:lnRef idx="2">
-            <a:schemeClr val="accent1"/>
-          </a:lnRef>
-          <a:fillRef idx="0">
-            <a:schemeClr val="accent1"/>
-          </a:fillRef>
-          <a:effectRef idx="1">
-            <a:schemeClr val="accent1"/>
-          </a:effectRef>
-          <a:fontRef idx="minor">
-            <a:schemeClr val="tx1"/>
-          </a:fontRef>
-        </p:style>
-      </p:cxnSp>
-      <p:cxnSp>
-        <p:nvCxnSpPr>
-          <p:cNvPr id="54" name="Straight Connector 53">
-            <a:extLst>
-              <a:ext uri="{FF2B5EF4-FFF2-40B4-BE49-F238E27FC236}">
-                <a16:creationId xmlns:a16="http://schemas.microsoft.com/office/drawing/2014/main" id="{DF364DF0-6479-14E4-0B9F-474528634130}"/>
-              </a:ext>
-            </a:extLst>
-          </p:cNvPr>
-          <p:cNvCxnSpPr>
-            <a:cxnSpLocks/>
-          </p:cNvCxnSpPr>
-          <p:nvPr/>
-        </p:nvCxnSpPr>
-        <p:spPr>
-          <a:xfrm>
-            <a:off x="8129206" y="2410813"/>
-            <a:ext cx="512073" cy="0"/>
-          </a:xfrm>
-          <a:prstGeom prst="line">
-            <a:avLst/>
-          </a:prstGeom>
-          <a:ln w="57150">
-            <a:solidFill>
-              <a:srgbClr val="FF0000"/>
-            </a:solidFill>
-          </a:ln>
-        </p:spPr>
-        <p:style>
-          <a:lnRef idx="2">
-            <a:schemeClr val="accent1"/>
-          </a:lnRef>
-          <a:fillRef idx="0">
-            <a:schemeClr val="accent1"/>
-          </a:fillRef>
-          <a:effectRef idx="1">
-            <a:schemeClr val="accent1"/>
-          </a:effectRef>
-          <a:fontRef idx="minor">
-            <a:schemeClr val="tx1"/>
-          </a:fontRef>
-        </p:style>
-      </p:cxnSp>
-      <p:cxnSp>
-        <p:nvCxnSpPr>
-          <p:cNvPr id="55" name="Straight Connector 54">
-            <a:extLst>
-              <a:ext uri="{FF2B5EF4-FFF2-40B4-BE49-F238E27FC236}">
-                <a16:creationId xmlns:a16="http://schemas.microsoft.com/office/drawing/2014/main" id="{3922B395-7AD2-B615-F67C-3159EA42BC86}"/>
-              </a:ext>
-            </a:extLst>
-          </p:cNvPr>
-          <p:cNvCxnSpPr>
-            <a:cxnSpLocks/>
-          </p:cNvCxnSpPr>
-          <p:nvPr/>
-        </p:nvCxnSpPr>
-        <p:spPr>
-          <a:xfrm>
-            <a:off x="8608979" y="2410813"/>
-            <a:ext cx="44631" cy="1154021"/>
-          </a:xfrm>
-          <a:prstGeom prst="line">
-            <a:avLst/>
-          </a:prstGeom>
-          <a:ln w="57150">
-            <a:solidFill>
-              <a:srgbClr val="FF0000"/>
-            </a:solidFill>
-          </a:ln>
-        </p:spPr>
-        <p:style>
-          <a:lnRef idx="2">
-            <a:schemeClr val="accent1"/>
-          </a:lnRef>
-          <a:fillRef idx="0">
-            <a:schemeClr val="accent1"/>
-          </a:fillRef>
-          <a:effectRef idx="1">
-            <a:schemeClr val="accent1"/>
-          </a:effectRef>
-          <a:fontRef idx="minor">
-            <a:schemeClr val="tx1"/>
-          </a:fontRef>
-        </p:style>
-      </p:cxnSp>
+            </a:fontRef>
+          </p:style>
+        </p:cxnSp>
+        <p:cxnSp>
+          <p:nvCxnSpPr>
+            <p:cNvPr id="19" name="Straight Connector 18">
+              <a:extLst>
+                <a:ext uri="{FF2B5EF4-FFF2-40B4-BE49-F238E27FC236}">
+                  <a16:creationId xmlns:a16="http://schemas.microsoft.com/office/drawing/2014/main" id="{89B47F1B-3B94-6329-1C8B-ED630DBD9A00}"/>
+                </a:ext>
+              </a:extLst>
+            </p:cNvPr>
+            <p:cNvCxnSpPr>
+              <a:cxnSpLocks/>
+            </p:cNvCxnSpPr>
+            <p:nvPr/>
+          </p:nvCxnSpPr>
+          <p:spPr>
+            <a:xfrm>
+              <a:off x="3068881" y="299910"/>
+              <a:ext cx="5316362" cy="0"/>
+            </a:xfrm>
+            <a:prstGeom prst="line">
+              <a:avLst/>
+            </a:prstGeom>
+            <a:ln w="57150">
+              <a:solidFill>
+                <a:srgbClr val="FF0000"/>
+              </a:solidFill>
+            </a:ln>
+          </p:spPr>
+          <p:style>
+            <a:lnRef idx="2">
+              <a:schemeClr val="accent1"/>
+            </a:lnRef>
+            <a:fillRef idx="0">
+              <a:schemeClr val="accent1"/>
+            </a:fillRef>
+            <a:effectRef idx="1">
+              <a:schemeClr val="accent1"/>
+            </a:effectRef>
+            <a:fontRef idx="minor">
+              <a:schemeClr val="tx1"/>
+            </a:fontRef>
+          </p:style>
+        </p:cxnSp>
+        <p:cxnSp>
+          <p:nvCxnSpPr>
+            <p:cNvPr id="24" name="Straight Connector 23">
+              <a:extLst>
+                <a:ext uri="{FF2B5EF4-FFF2-40B4-BE49-F238E27FC236}">
+                  <a16:creationId xmlns:a16="http://schemas.microsoft.com/office/drawing/2014/main" id="{07E93B0C-6433-DE46-5649-10BC9478B104}"/>
+                </a:ext>
+              </a:extLst>
+            </p:cNvPr>
+            <p:cNvCxnSpPr>
+              <a:cxnSpLocks/>
+            </p:cNvCxnSpPr>
+            <p:nvPr/>
+          </p:nvCxnSpPr>
+          <p:spPr>
+            <a:xfrm flipV="1">
+              <a:off x="8385243" y="299910"/>
+              <a:ext cx="0" cy="611222"/>
+            </a:xfrm>
+            <a:prstGeom prst="line">
+              <a:avLst/>
+            </a:prstGeom>
+            <a:ln w="57150">
+              <a:solidFill>
+                <a:srgbClr val="FF0000"/>
+              </a:solidFill>
+            </a:ln>
+          </p:spPr>
+          <p:style>
+            <a:lnRef idx="2">
+              <a:schemeClr val="accent1"/>
+            </a:lnRef>
+            <a:fillRef idx="0">
+              <a:schemeClr val="accent1"/>
+            </a:fillRef>
+            <a:effectRef idx="1">
+              <a:schemeClr val="accent1"/>
+            </a:effectRef>
+            <a:fontRef idx="minor">
+              <a:schemeClr val="tx1"/>
+            </a:fontRef>
+          </p:style>
+        </p:cxnSp>
+        <p:cxnSp>
+          <p:nvCxnSpPr>
+            <p:cNvPr id="30" name="Straight Connector 29">
+              <a:extLst>
+                <a:ext uri="{FF2B5EF4-FFF2-40B4-BE49-F238E27FC236}">
+                  <a16:creationId xmlns:a16="http://schemas.microsoft.com/office/drawing/2014/main" id="{3D7EDF12-794E-09C5-FE5F-A08D62E91C1C}"/>
+                </a:ext>
+              </a:extLst>
+            </p:cNvPr>
+            <p:cNvCxnSpPr>
+              <a:cxnSpLocks/>
+            </p:cNvCxnSpPr>
+            <p:nvPr/>
+          </p:nvCxnSpPr>
+          <p:spPr>
+            <a:xfrm>
+              <a:off x="7354111" y="5646881"/>
+              <a:ext cx="1031132" cy="0"/>
+            </a:xfrm>
+            <a:prstGeom prst="line">
+              <a:avLst/>
+            </a:prstGeom>
+            <a:ln w="57150">
+              <a:solidFill>
+                <a:srgbClr val="FF0000"/>
+              </a:solidFill>
+            </a:ln>
+          </p:spPr>
+          <p:style>
+            <a:lnRef idx="2">
+              <a:schemeClr val="accent1"/>
+            </a:lnRef>
+            <a:fillRef idx="0">
+              <a:schemeClr val="accent1"/>
+            </a:fillRef>
+            <a:effectRef idx="1">
+              <a:schemeClr val="accent1"/>
+            </a:effectRef>
+            <a:fontRef idx="minor">
+              <a:schemeClr val="tx1"/>
+            </a:fontRef>
+          </p:style>
+        </p:cxnSp>
+        <p:cxnSp>
+          <p:nvCxnSpPr>
+            <p:cNvPr id="31" name="Straight Connector 30">
+              <a:extLst>
+                <a:ext uri="{FF2B5EF4-FFF2-40B4-BE49-F238E27FC236}">
+                  <a16:creationId xmlns:a16="http://schemas.microsoft.com/office/drawing/2014/main" id="{CD2E1E49-517D-8C43-FF0F-FD002B73AE8F}"/>
+                </a:ext>
+              </a:extLst>
+            </p:cNvPr>
+            <p:cNvCxnSpPr>
+              <a:cxnSpLocks/>
+            </p:cNvCxnSpPr>
+            <p:nvPr/>
+          </p:nvCxnSpPr>
+          <p:spPr>
+            <a:xfrm flipV="1">
+              <a:off x="8385243" y="5646881"/>
+              <a:ext cx="0" cy="173477"/>
+            </a:xfrm>
+            <a:prstGeom prst="line">
+              <a:avLst/>
+            </a:prstGeom>
+            <a:ln w="57150">
+              <a:solidFill>
+                <a:srgbClr val="FF0000"/>
+              </a:solidFill>
+            </a:ln>
+          </p:spPr>
+          <p:style>
+            <a:lnRef idx="2">
+              <a:schemeClr val="accent1"/>
+            </a:lnRef>
+            <a:fillRef idx="0">
+              <a:schemeClr val="accent1"/>
+            </a:fillRef>
+            <a:effectRef idx="1">
+              <a:schemeClr val="accent1"/>
+            </a:effectRef>
+            <a:fontRef idx="minor">
+              <a:schemeClr val="tx1"/>
+            </a:fontRef>
+          </p:style>
+        </p:cxnSp>
+        <p:cxnSp>
+          <p:nvCxnSpPr>
+            <p:cNvPr id="39" name="Straight Connector 38">
+              <a:extLst>
+                <a:ext uri="{FF2B5EF4-FFF2-40B4-BE49-F238E27FC236}">
+                  <a16:creationId xmlns:a16="http://schemas.microsoft.com/office/drawing/2014/main" id="{9B132AA4-FDA6-B25F-1008-02B95CBCC234}"/>
+                </a:ext>
+              </a:extLst>
+            </p:cNvPr>
+            <p:cNvCxnSpPr>
+              <a:cxnSpLocks/>
+            </p:cNvCxnSpPr>
+            <p:nvPr/>
+          </p:nvCxnSpPr>
+          <p:spPr>
+            <a:xfrm>
+              <a:off x="3340542" y="1317876"/>
+              <a:ext cx="5044701" cy="0"/>
+            </a:xfrm>
+            <a:prstGeom prst="line">
+              <a:avLst/>
+            </a:prstGeom>
+            <a:ln w="57150">
+              <a:solidFill>
+                <a:schemeClr val="tx1"/>
+              </a:solidFill>
+            </a:ln>
+          </p:spPr>
+          <p:style>
+            <a:lnRef idx="2">
+              <a:schemeClr val="accent1"/>
+            </a:lnRef>
+            <a:fillRef idx="0">
+              <a:schemeClr val="accent1"/>
+            </a:fillRef>
+            <a:effectRef idx="1">
+              <a:schemeClr val="accent1"/>
+            </a:effectRef>
+            <a:fontRef idx="minor">
+              <a:schemeClr val="tx1"/>
+            </a:fontRef>
+          </p:style>
+        </p:cxnSp>
+        <p:cxnSp>
+          <p:nvCxnSpPr>
+            <p:cNvPr id="43" name="Straight Connector 42">
+              <a:extLst>
+                <a:ext uri="{FF2B5EF4-FFF2-40B4-BE49-F238E27FC236}">
+                  <a16:creationId xmlns:a16="http://schemas.microsoft.com/office/drawing/2014/main" id="{2D6EFC4A-F254-071D-4ED5-A3927EE74B6A}"/>
+                </a:ext>
+              </a:extLst>
+            </p:cNvPr>
+            <p:cNvCxnSpPr>
+              <a:cxnSpLocks/>
+            </p:cNvCxnSpPr>
+            <p:nvPr/>
+          </p:nvCxnSpPr>
+          <p:spPr>
+            <a:xfrm>
+              <a:off x="5933872" y="1317876"/>
+              <a:ext cx="0" cy="4968152"/>
+            </a:xfrm>
+            <a:prstGeom prst="line">
+              <a:avLst/>
+            </a:prstGeom>
+            <a:ln w="57150">
+              <a:solidFill>
+                <a:schemeClr val="tx1"/>
+              </a:solidFill>
+            </a:ln>
+          </p:spPr>
+          <p:style>
+            <a:lnRef idx="2">
+              <a:schemeClr val="accent1"/>
+            </a:lnRef>
+            <a:fillRef idx="0">
+              <a:schemeClr val="accent1"/>
+            </a:fillRef>
+            <a:effectRef idx="1">
+              <a:schemeClr val="accent1"/>
+            </a:effectRef>
+            <a:fontRef idx="minor">
+              <a:schemeClr val="tx1"/>
+            </a:fontRef>
+          </p:style>
+        </p:cxnSp>
+        <p:cxnSp>
+          <p:nvCxnSpPr>
+            <p:cNvPr id="47" name="Straight Connector 46">
+              <a:extLst>
+                <a:ext uri="{FF2B5EF4-FFF2-40B4-BE49-F238E27FC236}">
+                  <a16:creationId xmlns:a16="http://schemas.microsoft.com/office/drawing/2014/main" id="{1EB78100-3F9D-D8A1-1C29-993978EAA8CA}"/>
+                </a:ext>
+              </a:extLst>
+            </p:cNvPr>
+            <p:cNvCxnSpPr>
+              <a:cxnSpLocks/>
+            </p:cNvCxnSpPr>
+            <p:nvPr/>
+          </p:nvCxnSpPr>
+          <p:spPr>
+            <a:xfrm flipH="1">
+              <a:off x="5933872" y="6286028"/>
+              <a:ext cx="2451371" cy="0"/>
+            </a:xfrm>
+            <a:prstGeom prst="line">
+              <a:avLst/>
+            </a:prstGeom>
+            <a:ln w="57150">
+              <a:solidFill>
+                <a:schemeClr val="tx1"/>
+              </a:solidFill>
+            </a:ln>
+          </p:spPr>
+          <p:style>
+            <a:lnRef idx="2">
+              <a:schemeClr val="accent1"/>
+            </a:lnRef>
+            <a:fillRef idx="0">
+              <a:schemeClr val="accent1"/>
+            </a:fillRef>
+            <a:effectRef idx="1">
+              <a:schemeClr val="accent1"/>
+            </a:effectRef>
+            <a:fontRef idx="minor">
+              <a:schemeClr val="tx1"/>
+            </a:fontRef>
+          </p:style>
+        </p:cxnSp>
+        <p:cxnSp>
+          <p:nvCxnSpPr>
+            <p:cNvPr id="51" name="Straight Connector 50">
+              <a:extLst>
+                <a:ext uri="{FF2B5EF4-FFF2-40B4-BE49-F238E27FC236}">
+                  <a16:creationId xmlns:a16="http://schemas.microsoft.com/office/drawing/2014/main" id="{6D089D68-211B-ADDC-4C68-83981C9ECC08}"/>
+                </a:ext>
+              </a:extLst>
+            </p:cNvPr>
+            <p:cNvCxnSpPr>
+              <a:cxnSpLocks/>
+            </p:cNvCxnSpPr>
+            <p:nvPr/>
+          </p:nvCxnSpPr>
+          <p:spPr>
+            <a:xfrm>
+              <a:off x="8096906" y="2978260"/>
+              <a:ext cx="512073" cy="0"/>
+            </a:xfrm>
+            <a:prstGeom prst="line">
+              <a:avLst/>
+            </a:prstGeom>
+            <a:ln w="57150">
+              <a:solidFill>
+                <a:srgbClr val="FF0000"/>
+              </a:solidFill>
+            </a:ln>
+          </p:spPr>
+          <p:style>
+            <a:lnRef idx="2">
+              <a:schemeClr val="accent1"/>
+            </a:lnRef>
+            <a:fillRef idx="0">
+              <a:schemeClr val="accent1"/>
+            </a:fillRef>
+            <a:effectRef idx="1">
+              <a:schemeClr val="accent1"/>
+            </a:effectRef>
+            <a:fontRef idx="minor">
+              <a:schemeClr val="tx1"/>
+            </a:fontRef>
+          </p:style>
+        </p:cxnSp>
+        <p:cxnSp>
+          <p:nvCxnSpPr>
+            <p:cNvPr id="53" name="Straight Connector 52">
+              <a:extLst>
+                <a:ext uri="{FF2B5EF4-FFF2-40B4-BE49-F238E27FC236}">
+                  <a16:creationId xmlns:a16="http://schemas.microsoft.com/office/drawing/2014/main" id="{1D1D04F6-27FD-5EA1-2E1A-FF75326F897D}"/>
+                </a:ext>
+              </a:extLst>
+            </p:cNvPr>
+            <p:cNvCxnSpPr>
+              <a:cxnSpLocks/>
+            </p:cNvCxnSpPr>
+            <p:nvPr/>
+          </p:nvCxnSpPr>
+          <p:spPr>
+            <a:xfrm>
+              <a:off x="8129206" y="3540364"/>
+              <a:ext cx="512073" cy="0"/>
+            </a:xfrm>
+            <a:prstGeom prst="line">
+              <a:avLst/>
+            </a:prstGeom>
+            <a:ln w="57150">
+              <a:solidFill>
+                <a:srgbClr val="FF0000"/>
+              </a:solidFill>
+            </a:ln>
+          </p:spPr>
+          <p:style>
+            <a:lnRef idx="2">
+              <a:schemeClr val="accent1"/>
+            </a:lnRef>
+            <a:fillRef idx="0">
+              <a:schemeClr val="accent1"/>
+            </a:fillRef>
+            <a:effectRef idx="1">
+              <a:schemeClr val="accent1"/>
+            </a:effectRef>
+            <a:fontRef idx="minor">
+              <a:schemeClr val="tx1"/>
+            </a:fontRef>
+          </p:style>
+        </p:cxnSp>
+        <p:cxnSp>
+          <p:nvCxnSpPr>
+            <p:cNvPr id="54" name="Straight Connector 53">
+              <a:extLst>
+                <a:ext uri="{FF2B5EF4-FFF2-40B4-BE49-F238E27FC236}">
+                  <a16:creationId xmlns:a16="http://schemas.microsoft.com/office/drawing/2014/main" id="{DF364DF0-6479-14E4-0B9F-474528634130}"/>
+                </a:ext>
+              </a:extLst>
+            </p:cNvPr>
+            <p:cNvCxnSpPr>
+              <a:cxnSpLocks/>
+            </p:cNvCxnSpPr>
+            <p:nvPr/>
+          </p:nvCxnSpPr>
+          <p:spPr>
+            <a:xfrm>
+              <a:off x="8129206" y="2410813"/>
+              <a:ext cx="512073" cy="0"/>
+            </a:xfrm>
+            <a:prstGeom prst="line">
+              <a:avLst/>
+            </a:prstGeom>
+            <a:ln w="57150">
+              <a:solidFill>
+                <a:srgbClr val="FF0000"/>
+              </a:solidFill>
+            </a:ln>
+          </p:spPr>
+          <p:style>
+            <a:lnRef idx="2">
+              <a:schemeClr val="accent1"/>
+            </a:lnRef>
+            <a:fillRef idx="0">
+              <a:schemeClr val="accent1"/>
+            </a:fillRef>
+            <a:effectRef idx="1">
+              <a:schemeClr val="accent1"/>
+            </a:effectRef>
+            <a:fontRef idx="minor">
+              <a:schemeClr val="tx1"/>
+            </a:fontRef>
+          </p:style>
+        </p:cxnSp>
+        <p:cxnSp>
+          <p:nvCxnSpPr>
+            <p:cNvPr id="55" name="Straight Connector 54">
+              <a:extLst>
+                <a:ext uri="{FF2B5EF4-FFF2-40B4-BE49-F238E27FC236}">
+                  <a16:creationId xmlns:a16="http://schemas.microsoft.com/office/drawing/2014/main" id="{3922B395-7AD2-B615-F67C-3159EA42BC86}"/>
+                </a:ext>
+              </a:extLst>
+            </p:cNvPr>
+            <p:cNvCxnSpPr>
+              <a:cxnSpLocks/>
+            </p:cNvCxnSpPr>
+            <p:nvPr/>
+          </p:nvCxnSpPr>
+          <p:spPr>
+            <a:xfrm>
+              <a:off x="8608979" y="2410813"/>
+              <a:ext cx="44631" cy="1154021"/>
+            </a:xfrm>
+            <a:prstGeom prst="line">
+              <a:avLst/>
+            </a:prstGeom>
+            <a:ln w="57150">
+              <a:solidFill>
+                <a:srgbClr val="FF0000"/>
+              </a:solidFill>
+            </a:ln>
+          </p:spPr>
+          <p:style>
+            <a:lnRef idx="2">
+              <a:schemeClr val="accent1"/>
+            </a:lnRef>
+            <a:fillRef idx="0">
+              <a:schemeClr val="accent1"/>
+            </a:fillRef>
+            <a:effectRef idx="1">
+              <a:schemeClr val="accent1"/>
+            </a:effectRef>
+            <a:fontRef idx="minor">
+              <a:schemeClr val="tx1"/>
+            </a:fontRef>
+          </p:style>
+        </p:cxnSp>
+      </p:grpSp>
     </p:spTree>
     <p:extLst>
       <p:ext uri="{BB962C8B-B14F-4D97-AF65-F5344CB8AC3E}">
